--- a/Documents/Technologie/Technologiebewertung.pptx
+++ b/Documents/Technologie/Technologiebewertung.pptx
@@ -292,7 +292,7 @@
           <a:p>
             <a:fld id="{0A191AF5-AE18-4B43-A9BA-4ACA023FE375}" type="datetimeFigureOut">
               <a:rPr lang="de-DE" smtClean="0"/>
-              <a:t>27.01.2014</a:t>
+              <a:t>31.01.2014</a:t>
             </a:fld>
             <a:endParaRPr lang="de-DE"/>
           </a:p>
@@ -462,7 +462,7 @@
           <a:p>
             <a:fld id="{0A191AF5-AE18-4B43-A9BA-4ACA023FE375}" type="datetimeFigureOut">
               <a:rPr lang="de-DE" smtClean="0"/>
-              <a:t>27.01.2014</a:t>
+              <a:t>31.01.2014</a:t>
             </a:fld>
             <a:endParaRPr lang="de-DE"/>
           </a:p>
@@ -642,7 +642,7 @@
           <a:p>
             <a:fld id="{0A191AF5-AE18-4B43-A9BA-4ACA023FE375}" type="datetimeFigureOut">
               <a:rPr lang="de-DE" smtClean="0"/>
-              <a:t>27.01.2014</a:t>
+              <a:t>31.01.2014</a:t>
             </a:fld>
             <a:endParaRPr lang="de-DE"/>
           </a:p>
@@ -812,7 +812,7 @@
           <a:p>
             <a:fld id="{0A191AF5-AE18-4B43-A9BA-4ACA023FE375}" type="datetimeFigureOut">
               <a:rPr lang="de-DE" smtClean="0"/>
-              <a:t>27.01.2014</a:t>
+              <a:t>31.01.2014</a:t>
             </a:fld>
             <a:endParaRPr lang="de-DE"/>
           </a:p>
@@ -1058,7 +1058,7 @@
           <a:p>
             <a:fld id="{0A191AF5-AE18-4B43-A9BA-4ACA023FE375}" type="datetimeFigureOut">
               <a:rPr lang="de-DE" smtClean="0"/>
-              <a:t>27.01.2014</a:t>
+              <a:t>31.01.2014</a:t>
             </a:fld>
             <a:endParaRPr lang="de-DE"/>
           </a:p>
@@ -1346,7 +1346,7 @@
           <a:p>
             <a:fld id="{0A191AF5-AE18-4B43-A9BA-4ACA023FE375}" type="datetimeFigureOut">
               <a:rPr lang="de-DE" smtClean="0"/>
-              <a:t>27.01.2014</a:t>
+              <a:t>31.01.2014</a:t>
             </a:fld>
             <a:endParaRPr lang="de-DE"/>
           </a:p>
@@ -1768,7 +1768,7 @@
           <a:p>
             <a:fld id="{0A191AF5-AE18-4B43-A9BA-4ACA023FE375}" type="datetimeFigureOut">
               <a:rPr lang="de-DE" smtClean="0"/>
-              <a:t>27.01.2014</a:t>
+              <a:t>31.01.2014</a:t>
             </a:fld>
             <a:endParaRPr lang="de-DE"/>
           </a:p>
@@ -1886,7 +1886,7 @@
           <a:p>
             <a:fld id="{0A191AF5-AE18-4B43-A9BA-4ACA023FE375}" type="datetimeFigureOut">
               <a:rPr lang="de-DE" smtClean="0"/>
-              <a:t>27.01.2014</a:t>
+              <a:t>31.01.2014</a:t>
             </a:fld>
             <a:endParaRPr lang="de-DE"/>
           </a:p>
@@ -1981,7 +1981,7 @@
           <a:p>
             <a:fld id="{0A191AF5-AE18-4B43-A9BA-4ACA023FE375}" type="datetimeFigureOut">
               <a:rPr lang="de-DE" smtClean="0"/>
-              <a:t>27.01.2014</a:t>
+              <a:t>31.01.2014</a:t>
             </a:fld>
             <a:endParaRPr lang="de-DE"/>
           </a:p>
@@ -2258,7 +2258,7 @@
           <a:p>
             <a:fld id="{0A191AF5-AE18-4B43-A9BA-4ACA023FE375}" type="datetimeFigureOut">
               <a:rPr lang="de-DE" smtClean="0"/>
-              <a:t>27.01.2014</a:t>
+              <a:t>31.01.2014</a:t>
             </a:fld>
             <a:endParaRPr lang="de-DE"/>
           </a:p>
@@ -2511,7 +2511,7 @@
           <a:p>
             <a:fld id="{0A191AF5-AE18-4B43-A9BA-4ACA023FE375}" type="datetimeFigureOut">
               <a:rPr lang="de-DE" smtClean="0"/>
-              <a:t>27.01.2014</a:t>
+              <a:t>31.01.2014</a:t>
             </a:fld>
             <a:endParaRPr lang="de-DE"/>
           </a:p>
@@ -2724,7 +2724,7 @@
           <a:p>
             <a:fld id="{0A191AF5-AE18-4B43-A9BA-4ACA023FE375}" type="datetimeFigureOut">
               <a:rPr lang="de-DE" smtClean="0"/>
-              <a:t>27.01.2014</a:t>
+              <a:t>31.01.2014</a:t>
             </a:fld>
             <a:endParaRPr lang="de-DE"/>
           </a:p>
@@ -3219,7 +3219,7 @@
             <p:ph idx="1"/>
             <p:extLst>
               <p:ext uri="{D42A27DB-BD31-4B8C-83A1-F6EECF244321}">
-                <p14:modId xmlns:p14="http://schemas.microsoft.com/office/powerpoint/2010/main" val="2540292360"/>
+                <p14:modId xmlns:p14="http://schemas.microsoft.com/office/powerpoint/2010/main" val="379131059"/>
               </p:ext>
             </p:extLst>
           </p:nvPr>
@@ -3485,11 +3485,11 @@
                       </a:r>
                       <a:r>
                         <a:rPr lang="de-DE" baseline="0" dirty="0" smtClean="0"/>
-                        <a:t> der SW</a:t>
+                        <a:t> der SW, </a:t>
                       </a:r>
                       <a:r>
                         <a:rPr lang="de-DE" baseline="0" dirty="0" smtClean="0"/>
-                        <a:t>, Typisierung</a:t>
+                        <a:t>Typisierung</a:t>
                       </a:r>
                       <a:endParaRPr lang="de-DE" dirty="0" smtClean="0"/>
                     </a:p>
@@ -3571,14 +3571,14 @@
             <p:ph idx="1"/>
             <p:extLst>
               <p:ext uri="{D42A27DB-BD31-4B8C-83A1-F6EECF244321}">
-                <p14:modId xmlns:p14="http://schemas.microsoft.com/office/powerpoint/2010/main" val="1241531512"/>
+                <p14:modId xmlns:p14="http://schemas.microsoft.com/office/powerpoint/2010/main" val="3180453885"/>
               </p:ext>
             </p:extLst>
           </p:nvPr>
         </p:nvGraphicFramePr>
         <p:xfrm>
           <a:off x="457200" y="1529473"/>
-          <a:ext cx="8229600" cy="3210560"/>
+          <a:ext cx="8229600" cy="3484880"/>
         </p:xfrm>
         <a:graphic>
           <a:graphicData uri="http://schemas.openxmlformats.org/drawingml/2006/table">
@@ -3728,26 +3728,49 @@
                       </a:r>
                       <a:r>
                         <a:rPr lang="de-DE" dirty="0" smtClean="0"/>
-                        <a:t> (erweiterte Tests + Fallunterscheidungen </a:t>
-                      </a:r>
-                      <a:r>
-                        <a:rPr lang="de-DE" smtClean="0"/>
-                        <a:t>nach Plattform)</a:t>
-                      </a:r>
-                      <a:endParaRPr lang="de-DE" dirty="0" smtClean="0"/>
+                        <a:t> (erweiterte Tests + Fallunterscheidungen nach Plattform)</a:t>
+                      </a:r>
                     </a:p>
                     <a:p>
+                      <a:pPr marL="285750" indent="-285750">
+                        <a:buFont typeface="Wingdings"/>
+                        <a:buChar char="è"/>
+                      </a:pPr>
                       <a:r>
                         <a:rPr lang="de-DE" dirty="0" smtClean="0">
                           <a:sym typeface="Wingdings" panose="05000000000000000000" pitchFamily="2" charset="2"/>
                         </a:rPr>
-                        <a:t> Stabilität</a:t>
+                        <a:t>Stabilität</a:t>
                       </a:r>
                       <a:r>
                         <a:rPr lang="de-DE" baseline="0" dirty="0" smtClean="0">
                           <a:sym typeface="Wingdings" panose="05000000000000000000" pitchFamily="2" charset="2"/>
                         </a:rPr>
-                        <a:t> [Erfahrungen]</a:t>
+                        <a:t> </a:t>
+                      </a:r>
+                      <a:r>
+                        <a:rPr lang="de-DE" baseline="0" dirty="0" smtClean="0">
+                          <a:sym typeface="Wingdings" panose="05000000000000000000" pitchFamily="2" charset="2"/>
+                        </a:rPr>
+                        <a:t>[Erfahrungen</a:t>
+                      </a:r>
+                      <a:r>
+                        <a:rPr lang="de-DE" baseline="0" dirty="0" smtClean="0">
+                          <a:sym typeface="Wingdings" panose="05000000000000000000" pitchFamily="2" charset="2"/>
+                        </a:rPr>
+                        <a:t>]</a:t>
+                      </a:r>
+                    </a:p>
+                    <a:p>
+                      <a:pPr marL="285750" indent="-285750">
+                        <a:buFont typeface="Wingdings"/>
+                        <a:buChar char="è"/>
+                      </a:pPr>
+                      <a:r>
+                        <a:rPr lang="de-DE" baseline="0" dirty="0" smtClean="0">
+                          <a:sym typeface="Wingdings" panose="05000000000000000000" pitchFamily="2" charset="2"/>
+                        </a:rPr>
+                        <a:t>„Hacks“</a:t>
                       </a:r>
                       <a:endParaRPr lang="de-DE" dirty="0"/>
                     </a:p>
@@ -3935,6 +3958,13 @@
   <p:clrMapOvr>
     <a:masterClrMapping/>
   </p:clrMapOvr>
+  <p:timing>
+    <p:tnLst>
+      <p:par>
+        <p:cTn id="1" dur="indefinite" restart="never" nodeType="tmRoot"/>
+      </p:par>
+    </p:tnLst>
+  </p:timing>
 </p:sld>
 </file>
 
@@ -4027,6 +4057,13 @@
   <p:clrMapOvr>
     <a:masterClrMapping/>
   </p:clrMapOvr>
+  <p:timing>
+    <p:tnLst>
+      <p:par>
+        <p:cTn id="1" dur="indefinite" restart="never" nodeType="tmRoot"/>
+      </p:par>
+    </p:tnLst>
+  </p:timing>
 </p:sld>
 </file>
 
